--- a/cover/cover.pptx
+++ b/cover/cover.pptx
@@ -260,7 +260,7 @@
           <a:p>
             <a:fld id="{DDC305D0-01D5-4229-BACD-85F4D29584F3}" type="datetimeFigureOut">
               <a:rPr kumimoji="1" lang="ja-JP" altLang="en-US" smtClean="0"/>
-              <a:t>2022/9/25</a:t>
+              <a:t>2022/10/22</a:t>
             </a:fld>
             <a:endParaRPr kumimoji="1" lang="ja-JP" altLang="en-US"/>
           </a:p>
@@ -490,7 +490,7 @@
           <a:p>
             <a:fld id="{DDC305D0-01D5-4229-BACD-85F4D29584F3}" type="datetimeFigureOut">
               <a:rPr kumimoji="1" lang="ja-JP" altLang="en-US" smtClean="0"/>
-              <a:t>2022/9/25</a:t>
+              <a:t>2022/10/22</a:t>
             </a:fld>
             <a:endParaRPr kumimoji="1" lang="ja-JP" altLang="en-US"/>
           </a:p>
@@ -730,7 +730,7 @@
           <a:p>
             <a:fld id="{DDC305D0-01D5-4229-BACD-85F4D29584F3}" type="datetimeFigureOut">
               <a:rPr kumimoji="1" lang="ja-JP" altLang="en-US" smtClean="0"/>
-              <a:t>2022/9/25</a:t>
+              <a:t>2022/10/22</a:t>
             </a:fld>
             <a:endParaRPr kumimoji="1" lang="ja-JP" altLang="en-US"/>
           </a:p>
@@ -960,7 +960,7 @@
           <a:p>
             <a:fld id="{DDC305D0-01D5-4229-BACD-85F4D29584F3}" type="datetimeFigureOut">
               <a:rPr kumimoji="1" lang="ja-JP" altLang="en-US" smtClean="0"/>
-              <a:t>2022/9/25</a:t>
+              <a:t>2022/10/22</a:t>
             </a:fld>
             <a:endParaRPr kumimoji="1" lang="ja-JP" altLang="en-US"/>
           </a:p>
@@ -1235,7 +1235,7 @@
           <a:p>
             <a:fld id="{DDC305D0-01D5-4229-BACD-85F4D29584F3}" type="datetimeFigureOut">
               <a:rPr kumimoji="1" lang="ja-JP" altLang="en-US" smtClean="0"/>
-              <a:t>2022/9/25</a:t>
+              <a:t>2022/10/22</a:t>
             </a:fld>
             <a:endParaRPr kumimoji="1" lang="ja-JP" altLang="en-US"/>
           </a:p>
@@ -1564,7 +1564,7 @@
           <a:p>
             <a:fld id="{DDC305D0-01D5-4229-BACD-85F4D29584F3}" type="datetimeFigureOut">
               <a:rPr kumimoji="1" lang="ja-JP" altLang="en-US" smtClean="0"/>
-              <a:t>2022/9/25</a:t>
+              <a:t>2022/10/22</a:t>
             </a:fld>
             <a:endParaRPr kumimoji="1" lang="ja-JP" altLang="en-US"/>
           </a:p>
@@ -2040,7 +2040,7 @@
           <a:p>
             <a:fld id="{DDC305D0-01D5-4229-BACD-85F4D29584F3}" type="datetimeFigureOut">
               <a:rPr kumimoji="1" lang="ja-JP" altLang="en-US" smtClean="0"/>
-              <a:t>2022/9/25</a:t>
+              <a:t>2022/10/22</a:t>
             </a:fld>
             <a:endParaRPr kumimoji="1" lang="ja-JP" altLang="en-US"/>
           </a:p>
@@ -2181,7 +2181,7 @@
           <a:p>
             <a:fld id="{DDC305D0-01D5-4229-BACD-85F4D29584F3}" type="datetimeFigureOut">
               <a:rPr kumimoji="1" lang="ja-JP" altLang="en-US" smtClean="0"/>
-              <a:t>2022/9/25</a:t>
+              <a:t>2022/10/22</a:t>
             </a:fld>
             <a:endParaRPr kumimoji="1" lang="ja-JP" altLang="en-US"/>
           </a:p>
@@ -2294,7 +2294,7 @@
           <a:p>
             <a:fld id="{DDC305D0-01D5-4229-BACD-85F4D29584F3}" type="datetimeFigureOut">
               <a:rPr kumimoji="1" lang="ja-JP" altLang="en-US" smtClean="0"/>
-              <a:t>2022/9/25</a:t>
+              <a:t>2022/10/22</a:t>
             </a:fld>
             <a:endParaRPr kumimoji="1" lang="ja-JP" altLang="en-US"/>
           </a:p>
@@ -2637,7 +2637,7 @@
           <a:p>
             <a:fld id="{DDC305D0-01D5-4229-BACD-85F4D29584F3}" type="datetimeFigureOut">
               <a:rPr kumimoji="1" lang="ja-JP" altLang="en-US" smtClean="0"/>
-              <a:t>2022/9/25</a:t>
+              <a:t>2022/10/22</a:t>
             </a:fld>
             <a:endParaRPr kumimoji="1" lang="ja-JP" altLang="en-US"/>
           </a:p>
@@ -2925,7 +2925,7 @@
           <a:p>
             <a:fld id="{DDC305D0-01D5-4229-BACD-85F4D29584F3}" type="datetimeFigureOut">
               <a:rPr kumimoji="1" lang="ja-JP" altLang="en-US" smtClean="0"/>
-              <a:t>2022/9/25</a:t>
+              <a:t>2022/10/22</a:t>
             </a:fld>
             <a:endParaRPr kumimoji="1" lang="ja-JP" altLang="en-US"/>
           </a:p>
@@ -3198,7 +3198,7 @@
           <a:p>
             <a:fld id="{DDC305D0-01D5-4229-BACD-85F4D29584F3}" type="datetimeFigureOut">
               <a:rPr kumimoji="1" lang="ja-JP" altLang="en-US" smtClean="0"/>
-              <a:t>2022/9/25</a:t>
+              <a:t>2022/10/22</a:t>
             </a:fld>
             <a:endParaRPr kumimoji="1" lang="ja-JP" altLang="en-US"/>
           </a:p>
@@ -3615,42 +3615,6 @@
           <a:chExt cx="0" cy="0"/>
         </a:xfrm>
       </p:grpSpPr>
-      <p:pic>
-        <p:nvPicPr>
-          <p:cNvPr id="5" name="図 4" descr="図形&#10;&#10;中程度の精度で自動的に生成された説明">
-            <a:extLst>
-              <a:ext uri="{FF2B5EF4-FFF2-40B4-BE49-F238E27FC236}">
-                <a16:creationId xmlns:a16="http://schemas.microsoft.com/office/drawing/2014/main" id="{9E824986-E0C4-67AE-FDDF-03D41F03D379}"/>
-              </a:ext>
-            </a:extLst>
-          </p:cNvPr>
-          <p:cNvPicPr>
-            <a:picLocks noChangeAspect="1"/>
-          </p:cNvPicPr>
-          <p:nvPr/>
-        </p:nvPicPr>
-        <p:blipFill>
-          <a:blip r:embed="rId2">
-            <a:extLst>
-              <a:ext uri="{28A0092B-C50C-407E-A947-70E740481C1C}">
-                <a14:useLocalDpi xmlns:a14="http://schemas.microsoft.com/office/drawing/2010/main" val="0"/>
-              </a:ext>
-            </a:extLst>
-          </a:blip>
-          <a:stretch>
-            <a:fillRect/>
-          </a:stretch>
-        </p:blipFill>
-        <p:spPr>
-          <a:xfrm>
-            <a:off x="0" y="0"/>
-            <a:ext cx="4833784" cy="6858000"/>
-          </a:xfrm>
-          <a:prstGeom prst="rect">
-            <a:avLst/>
-          </a:prstGeom>
-        </p:spPr>
-      </p:pic>
       <p:sp>
         <p:nvSpPr>
           <p:cNvPr id="6" name="正方形/長方形 5">
@@ -3671,11 +3635,12 @@
           <a:prstGeom prst="rect">
             <a:avLst/>
           </a:prstGeom>
-          <a:blipFill>
-            <a:blip r:embed="rId3"/>
-            <a:stretch>
-              <a:fillRect/>
-            </a:stretch>
+          <a:blipFill dpi="0" rotWithShape="1">
+            <a:blip r:embed="rId2">
+              <a:alphaModFix amt="20000"/>
+            </a:blip>
+            <a:srcRect/>
+            <a:tile tx="0" ty="0" sx="100000" sy="100000" flip="none" algn="tl"/>
           </a:blipFill>
           <a:ln>
             <a:noFill/>
@@ -3702,7 +3667,7 @@
           <a:lstStyle/>
           <a:p>
             <a:pPr algn="ctr"/>
-            <a:endParaRPr kumimoji="1" lang="ja-JP" altLang="en-US"/>
+            <a:endParaRPr kumimoji="1" lang="ja-JP" altLang="en-US" dirty="0"/>
           </a:p>
         </p:txBody>
       </p:sp>
@@ -3721,7 +3686,7 @@
           <p:nvPr/>
         </p:nvPicPr>
         <p:blipFill>
-          <a:blip r:embed="rId4">
+          <a:blip r:embed="rId3">
             <a:extLst>
               <a:ext uri="{28A0092B-C50C-407E-A947-70E740481C1C}">
                 <a14:useLocalDpi xmlns:a14="http://schemas.microsoft.com/office/drawing/2010/main" val="0"/>
@@ -3734,8 +3699,8 @@
         </p:blipFill>
         <p:spPr>
           <a:xfrm>
-            <a:off x="7435477" y="6044721"/>
-            <a:ext cx="1478862" cy="333451"/>
+            <a:off x="7203004" y="5638800"/>
+            <a:ext cx="1873320" cy="422393"/>
           </a:xfrm>
           <a:prstGeom prst="rect">
             <a:avLst/>
@@ -3744,10 +3709,10 @@
       </p:pic>
       <p:sp>
         <p:nvSpPr>
-          <p:cNvPr id="9" name="正方形/長方形 8">
-            <a:extLst>
-              <a:ext uri="{FF2B5EF4-FFF2-40B4-BE49-F238E27FC236}">
-                <a16:creationId xmlns:a16="http://schemas.microsoft.com/office/drawing/2014/main" id="{6A63C4DB-7121-5A98-E22E-8A3A1E72BF3B}"/>
+          <p:cNvPr id="10" name="正方形/長方形 9">
+            <a:extLst>
+              <a:ext uri="{FF2B5EF4-FFF2-40B4-BE49-F238E27FC236}">
+                <a16:creationId xmlns:a16="http://schemas.microsoft.com/office/drawing/2014/main" id="{75C92E18-F6AF-C43F-3B4F-859162A0654E}"/>
               </a:ext>
             </a:extLst>
           </p:cNvPr>
@@ -3756,79 +3721,7 @@
         </p:nvSpPr>
         <p:spPr>
           <a:xfrm>
-            <a:off x="8661400" y="0"/>
-            <a:ext cx="1930400" cy="333451"/>
-          </a:xfrm>
-          <a:prstGeom prst="rect">
-            <a:avLst/>
-          </a:prstGeom>
-          <a:solidFill>
-            <a:srgbClr val="2EB471"/>
-          </a:solidFill>
-          <a:ln>
-            <a:noFill/>
-          </a:ln>
-        </p:spPr>
-        <p:style>
-          <a:lnRef idx="2">
-            <a:schemeClr val="accent1">
-              <a:shade val="50000"/>
-            </a:schemeClr>
-          </a:lnRef>
-          <a:fillRef idx="1">
-            <a:schemeClr val="accent1"/>
-          </a:fillRef>
-          <a:effectRef idx="0">
-            <a:schemeClr val="accent1"/>
-          </a:effectRef>
-          <a:fontRef idx="minor">
-            <a:schemeClr val="lt1"/>
-          </a:fontRef>
-        </p:style>
-        <p:txBody>
-          <a:bodyPr rtlCol="0" anchor="ctr"/>
-          <a:lstStyle/>
-          <a:p>
-            <a:pPr algn="ctr"/>
-            <a:r>
-              <a:rPr kumimoji="1" lang="en-US" altLang="ja-JP" dirty="0"/>
-              <a:t>Perl</a:t>
-            </a:r>
-            <a:r>
-              <a:rPr lang="ja-JP" altLang="en-US" dirty="0"/>
-              <a:t> </a:t>
-            </a:r>
-            <a:r>
-              <a:rPr lang="en-US" altLang="ja-JP" dirty="0"/>
-              <a:t>Club</a:t>
-            </a:r>
-            <a:r>
-              <a:rPr lang="ja-JP" altLang="en-US" dirty="0"/>
-              <a:t> </a:t>
-            </a:r>
-            <a:r>
-              <a:rPr lang="en-US" altLang="ja-JP" dirty="0"/>
-              <a:t>Books</a:t>
-            </a:r>
-            <a:endParaRPr kumimoji="1" lang="ja-JP" altLang="en-US" dirty="0"/>
-          </a:p>
-        </p:txBody>
-      </p:sp>
-      <p:sp>
-        <p:nvSpPr>
-          <p:cNvPr id="10" name="正方形/長方形 9">
-            <a:extLst>
-              <a:ext uri="{FF2B5EF4-FFF2-40B4-BE49-F238E27FC236}">
-                <a16:creationId xmlns:a16="http://schemas.microsoft.com/office/drawing/2014/main" id="{75C92E18-F6AF-C43F-3B4F-859162A0654E}"/>
-              </a:ext>
-            </a:extLst>
-          </p:cNvPr>
-          <p:cNvSpPr/>
-          <p:nvPr/>
-        </p:nvSpPr>
-        <p:spPr>
-          <a:xfrm>
-            <a:off x="5758016" y="646553"/>
+            <a:off x="5758016" y="196538"/>
             <a:ext cx="4833784" cy="2448996"/>
           </a:xfrm>
           <a:prstGeom prst="rect">
@@ -3868,16 +3761,29 @@
               </a:rPr>
               <a:t>Perl</a:t>
             </a:r>
-          </a:p>
-          <a:p>
-            <a:pPr algn="ctr"/>
             <a:r>
               <a:rPr lang="ja-JP" altLang="en-US" sz="4800" b="1" dirty="0">
                 <a:solidFill>
                   <a:srgbClr val="010101"/>
                 </a:solidFill>
               </a:rPr>
-              <a:t>プログラミング入門</a:t>
+              <a:t>の</a:t>
+            </a:r>
+            <a:endParaRPr lang="en-US" altLang="ja-JP" sz="4800" b="1" dirty="0">
+              <a:solidFill>
+                <a:srgbClr val="010101"/>
+              </a:solidFill>
+            </a:endParaRPr>
+          </a:p>
+          <a:p>
+            <a:pPr algn="ctr"/>
+            <a:r>
+              <a:rPr lang="ja-JP" altLang="en-US" sz="4800" b="1" dirty="0">
+                <a:solidFill>
+                  <a:srgbClr val="010101"/>
+                </a:solidFill>
+              </a:rPr>
+              <a:t>文字列処理</a:t>
             </a:r>
             <a:endParaRPr kumimoji="1" lang="ja-JP" altLang="en-US" sz="4800" b="1" dirty="0">
               <a:solidFill>
@@ -3889,10 +3795,10 @@
       </p:sp>
       <p:pic>
         <p:nvPicPr>
-          <p:cNvPr id="12" name="図 11" descr="アイコン&#10;&#10;自動的に生成された説明">
-            <a:extLst>
-              <a:ext uri="{FF2B5EF4-FFF2-40B4-BE49-F238E27FC236}">
-                <a16:creationId xmlns:a16="http://schemas.microsoft.com/office/drawing/2014/main" id="{4776A737-723F-2311-B222-4325F7F5A57F}"/>
+          <p:cNvPr id="14" name="図 13" descr="アイコン&#10;&#10;自動的に生成された説明">
+            <a:extLst>
+              <a:ext uri="{FF2B5EF4-FFF2-40B4-BE49-F238E27FC236}">
+                <a16:creationId xmlns:a16="http://schemas.microsoft.com/office/drawing/2014/main" id="{19C27EDE-57DE-0D4C-B5FA-976E05E0174F}"/>
               </a:ext>
             </a:extLst>
           </p:cNvPr>
@@ -3902,7 +3808,7 @@
           <p:nvPr/>
         </p:nvPicPr>
         <p:blipFill>
-          <a:blip r:embed="rId5">
+          <a:blip r:embed="rId4">
             <a:extLst>
               <a:ext uri="{28A0092B-C50C-407E-A947-70E740481C1C}">
                 <a14:useLocalDpi xmlns:a14="http://schemas.microsoft.com/office/drawing/2010/main" val="0"/>
@@ -3915,8 +3821,8 @@
         </p:blipFill>
         <p:spPr>
           <a:xfrm>
-            <a:off x="8424257" y="3315198"/>
-            <a:ext cx="1597634" cy="2107602"/>
+            <a:off x="8634037" y="2598359"/>
+            <a:ext cx="1404711" cy="2201151"/>
           </a:xfrm>
           <a:prstGeom prst="rect">
             <a:avLst/>
@@ -3925,10 +3831,10 @@
       </p:pic>
       <p:pic>
         <p:nvPicPr>
-          <p:cNvPr id="14" name="図 13" descr="アイコン&#10;&#10;自動的に生成された説明">
-            <a:extLst>
-              <a:ext uri="{FF2B5EF4-FFF2-40B4-BE49-F238E27FC236}">
-                <a16:creationId xmlns:a16="http://schemas.microsoft.com/office/drawing/2014/main" id="{19C27EDE-57DE-0D4C-B5FA-976E05E0174F}"/>
+          <p:cNvPr id="4" name="図 3" descr="ポインターを持つ漫画の蜂">
+            <a:extLst>
+              <a:ext uri="{FF2B5EF4-FFF2-40B4-BE49-F238E27FC236}">
+                <a16:creationId xmlns:a16="http://schemas.microsoft.com/office/drawing/2014/main" id="{B32F1362-CA03-72F7-2FCB-7EBE0EA7CC34}"/>
               </a:ext>
             </a:extLst>
           </p:cNvPr>
@@ -3938,7 +3844,7 @@
           <p:nvPr/>
         </p:nvPicPr>
         <p:blipFill>
-          <a:blip r:embed="rId6">
+          <a:blip r:embed="rId5">
             <a:extLst>
               <a:ext uri="{28A0092B-C50C-407E-A947-70E740481C1C}">
                 <a14:useLocalDpi xmlns:a14="http://schemas.microsoft.com/office/drawing/2010/main" val="0"/>
@@ -3951,8 +3857,8 @@
         </p:blipFill>
         <p:spPr>
           <a:xfrm>
-            <a:off x="6449637" y="3221649"/>
-            <a:ext cx="1404711" cy="2201151"/>
+            <a:off x="6337129" y="2841684"/>
+            <a:ext cx="1520279" cy="1714500"/>
           </a:xfrm>
           <a:prstGeom prst="rect">
             <a:avLst/>
@@ -4009,11 +3915,12 @@
           <a:prstGeom prst="rect">
             <a:avLst/>
           </a:prstGeom>
-          <a:blipFill>
-            <a:blip r:embed="rId2"/>
-            <a:stretch>
-              <a:fillRect/>
-            </a:stretch>
+          <a:blipFill dpi="0" rotWithShape="1">
+            <a:blip r:embed="rId2">
+              <a:alphaModFix amt="20000"/>
+            </a:blip>
+            <a:srcRect/>
+            <a:tile tx="0" ty="0" sx="100000" sy="100000" flip="none" algn="tl"/>
           </a:blipFill>
           <a:ln>
             <a:noFill/>
@@ -4075,10 +3982,10 @@
       </p:sp>
       <p:pic>
         <p:nvPicPr>
-          <p:cNvPr id="8" name="図 7" descr="ロゴ&#10;&#10;自動的に生成された説明">
-            <a:extLst>
-              <a:ext uri="{FF2B5EF4-FFF2-40B4-BE49-F238E27FC236}">
-                <a16:creationId xmlns:a16="http://schemas.microsoft.com/office/drawing/2014/main" id="{BA9C13C0-6E26-3F73-FAAC-5E2E9A73221A}"/>
+          <p:cNvPr id="3" name="図 2" descr="アイコン&#10;&#10;自動的に生成された説明">
+            <a:extLst>
+              <a:ext uri="{FF2B5EF4-FFF2-40B4-BE49-F238E27FC236}">
+                <a16:creationId xmlns:a16="http://schemas.microsoft.com/office/drawing/2014/main" id="{47B96630-1217-4727-2709-CC75D625C826}"/>
               </a:ext>
             </a:extLst>
           </p:cNvPr>
@@ -4101,20 +4008,92 @@
         </p:blipFill>
         <p:spPr>
           <a:xfrm>
-            <a:off x="7435477" y="6044721"/>
-            <a:ext cx="1478862" cy="333451"/>
+            <a:off x="8634037" y="2598359"/>
+            <a:ext cx="1404711" cy="2201151"/>
           </a:xfrm>
           <a:prstGeom prst="rect">
             <a:avLst/>
           </a:prstGeom>
         </p:spPr>
       </p:pic>
-      <p:sp>
-        <p:nvSpPr>
-          <p:cNvPr id="10" name="正方形/長方形 9">
-            <a:extLst>
-              <a:ext uri="{FF2B5EF4-FFF2-40B4-BE49-F238E27FC236}">
-                <a16:creationId xmlns:a16="http://schemas.microsoft.com/office/drawing/2014/main" id="{75C92E18-F6AF-C43F-3B4F-859162A0654E}"/>
+      <p:pic>
+        <p:nvPicPr>
+          <p:cNvPr id="4" name="図 3" descr="ポインターを持つ漫画の蜂">
+            <a:extLst>
+              <a:ext uri="{FF2B5EF4-FFF2-40B4-BE49-F238E27FC236}">
+                <a16:creationId xmlns:a16="http://schemas.microsoft.com/office/drawing/2014/main" id="{3EF640B8-C46C-75B6-01CF-D06639C78C2C}"/>
+              </a:ext>
+            </a:extLst>
+          </p:cNvPr>
+          <p:cNvPicPr>
+            <a:picLocks noChangeAspect="1"/>
+          </p:cNvPicPr>
+          <p:nvPr/>
+        </p:nvPicPr>
+        <p:blipFill>
+          <a:blip r:embed="rId4">
+            <a:extLst>
+              <a:ext uri="{28A0092B-C50C-407E-A947-70E740481C1C}">
+                <a14:useLocalDpi xmlns:a14="http://schemas.microsoft.com/office/drawing/2010/main" val="0"/>
+              </a:ext>
+            </a:extLst>
+          </a:blip>
+          <a:stretch>
+            <a:fillRect/>
+          </a:stretch>
+        </p:blipFill>
+        <p:spPr>
+          <a:xfrm>
+            <a:off x="6337129" y="2841684"/>
+            <a:ext cx="1520279" cy="1714500"/>
+          </a:xfrm>
+          <a:prstGeom prst="rect">
+            <a:avLst/>
+          </a:prstGeom>
+        </p:spPr>
+      </p:pic>
+      <p:pic>
+        <p:nvPicPr>
+          <p:cNvPr id="5" name="図 4" descr="ロゴ&#10;&#10;自動的に生成された説明">
+            <a:extLst>
+              <a:ext uri="{FF2B5EF4-FFF2-40B4-BE49-F238E27FC236}">
+                <a16:creationId xmlns:a16="http://schemas.microsoft.com/office/drawing/2014/main" id="{2A320043-0540-255C-37D3-5F109F932784}"/>
+              </a:ext>
+            </a:extLst>
+          </p:cNvPr>
+          <p:cNvPicPr>
+            <a:picLocks noChangeAspect="1"/>
+          </p:cNvPicPr>
+          <p:nvPr/>
+        </p:nvPicPr>
+        <p:blipFill>
+          <a:blip r:embed="rId5">
+            <a:extLst>
+              <a:ext uri="{28A0092B-C50C-407E-A947-70E740481C1C}">
+                <a14:useLocalDpi xmlns:a14="http://schemas.microsoft.com/office/drawing/2010/main" val="0"/>
+              </a:ext>
+            </a:extLst>
+          </a:blip>
+          <a:stretch>
+            <a:fillRect/>
+          </a:stretch>
+        </p:blipFill>
+        <p:spPr>
+          <a:xfrm>
+            <a:off x="7203004" y="5638800"/>
+            <a:ext cx="1873320" cy="422393"/>
+          </a:xfrm>
+          <a:prstGeom prst="rect">
+            <a:avLst/>
+          </a:prstGeom>
+        </p:spPr>
+      </p:pic>
+      <p:sp>
+        <p:nvSpPr>
+          <p:cNvPr id="7" name="正方形/長方形 6">
+            <a:extLst>
+              <a:ext uri="{FF2B5EF4-FFF2-40B4-BE49-F238E27FC236}">
+                <a16:creationId xmlns:a16="http://schemas.microsoft.com/office/drawing/2014/main" id="{ABC4B83E-77D4-7E5D-7460-4232A180C1DA}"/>
               </a:ext>
             </a:extLst>
           </p:cNvPr>
@@ -4123,7 +4102,7 @@
         </p:nvSpPr>
         <p:spPr>
           <a:xfrm>
-            <a:off x="5758016" y="646553"/>
+            <a:off x="5758016" y="196538"/>
             <a:ext cx="4833784" cy="2448996"/>
           </a:xfrm>
           <a:prstGeom prst="rect">
@@ -4154,151 +4133,47 @@
           <a:bodyPr rtlCol="0" anchor="ctr"/>
           <a:lstStyle/>
           <a:p>
-            <a:pPr marL="0" marR="0" lvl="0" indent="0" algn="ctr" defTabSz="914400" rtl="0" eaLnBrk="1" fontAlgn="auto" latinLnBrk="0" hangingPunct="1">
-              <a:lnSpc>
-                <a:spcPct val="100000"/>
-              </a:lnSpc>
-              <a:spcBef>
-                <a:spcPts val="0"/>
-              </a:spcBef>
-              <a:spcAft>
-                <a:spcPts val="0"/>
-              </a:spcAft>
-              <a:buClrTx/>
-              <a:buSzTx/>
-              <a:buFontTx/>
-              <a:buNone/>
-              <a:tabLst/>
-              <a:defRPr/>
-            </a:pPr>
-            <a:r>
-              <a:rPr kumimoji="1" lang="en-US" altLang="ja-JP" sz="4800" b="1" i="0" u="none" strike="noStrike" kern="1200" cap="none" spc="0" normalizeH="0" baseline="0" noProof="0" dirty="0">
-                <a:ln>
-                  <a:noFill/>
-                </a:ln>
+            <a:pPr algn="ctr"/>
+            <a:r>
+              <a:rPr lang="en-US" altLang="ja-JP" sz="4800" b="1" dirty="0">
                 <a:solidFill>
                   <a:srgbClr val="010101"/>
                 </a:solidFill>
-                <a:effectLst/>
-                <a:uLnTx/>
-                <a:uFillTx/>
-                <a:latin typeface="游ゴシック" panose="020F0502020204030204"/>
-                <a:ea typeface="游ゴシック" panose="020B0400000000000000" pitchFamily="50" charset="-128"/>
-                <a:cs typeface="+mn-cs"/>
               </a:rPr>
               <a:t>Perl</a:t>
             </a:r>
-          </a:p>
-          <a:p>
-            <a:pPr marL="0" marR="0" lvl="0" indent="0" algn="ctr" defTabSz="914400" rtl="0" eaLnBrk="1" fontAlgn="auto" latinLnBrk="0" hangingPunct="1">
-              <a:lnSpc>
-                <a:spcPct val="100000"/>
-              </a:lnSpc>
-              <a:spcBef>
-                <a:spcPts val="0"/>
-              </a:spcBef>
-              <a:spcAft>
-                <a:spcPts val="0"/>
-              </a:spcAft>
-              <a:buClrTx/>
-              <a:buSzTx/>
-              <a:buFontTx/>
-              <a:buNone/>
-              <a:tabLst/>
-              <a:defRPr/>
-            </a:pPr>
-            <a:r>
-              <a:rPr kumimoji="1" lang="ja-JP" altLang="en-US" sz="4800" b="1" i="0" u="none" strike="noStrike" kern="1200" cap="none" spc="0" normalizeH="0" baseline="0" noProof="0" dirty="0">
-                <a:ln>
-                  <a:noFill/>
-                </a:ln>
+            <a:r>
+              <a:rPr lang="ja-JP" altLang="en-US" sz="4800" b="1" dirty="0">
                 <a:solidFill>
                   <a:srgbClr val="010101"/>
                 </a:solidFill>
-                <a:effectLst/>
-                <a:uLnTx/>
-                <a:uFillTx/>
-                <a:latin typeface="游ゴシック" panose="020F0502020204030204"/>
-                <a:ea typeface="游ゴシック" panose="020B0400000000000000" pitchFamily="50" charset="-128"/>
-                <a:cs typeface="+mn-cs"/>
               </a:rPr>
-              <a:t>プログラミング入門</a:t>
-            </a:r>
-          </a:p>
-        </p:txBody>
-      </p:sp>
-      <p:pic>
-        <p:nvPicPr>
-          <p:cNvPr id="12" name="図 11" descr="アイコン&#10;&#10;自動的に生成された説明">
-            <a:extLst>
-              <a:ext uri="{FF2B5EF4-FFF2-40B4-BE49-F238E27FC236}">
-                <a16:creationId xmlns:a16="http://schemas.microsoft.com/office/drawing/2014/main" id="{4776A737-723F-2311-B222-4325F7F5A57F}"/>
-              </a:ext>
-            </a:extLst>
-          </p:cNvPr>
-          <p:cNvPicPr>
-            <a:picLocks noChangeAspect="1"/>
-          </p:cNvPicPr>
-          <p:nvPr/>
-        </p:nvPicPr>
-        <p:blipFill>
-          <a:blip r:embed="rId4">
-            <a:extLst>
-              <a:ext uri="{28A0092B-C50C-407E-A947-70E740481C1C}">
-                <a14:useLocalDpi xmlns:a14="http://schemas.microsoft.com/office/drawing/2010/main" val="0"/>
-              </a:ext>
-            </a:extLst>
-          </a:blip>
-          <a:stretch>
-            <a:fillRect/>
-          </a:stretch>
-        </p:blipFill>
-        <p:spPr>
-          <a:xfrm>
-            <a:off x="8424257" y="3315198"/>
-            <a:ext cx="1597634" cy="2107602"/>
-          </a:xfrm>
-          <a:prstGeom prst="rect">
-            <a:avLst/>
-          </a:prstGeom>
-        </p:spPr>
-      </p:pic>
-      <p:pic>
-        <p:nvPicPr>
-          <p:cNvPr id="14" name="図 13" descr="アイコン&#10;&#10;自動的に生成された説明">
-            <a:extLst>
-              <a:ext uri="{FF2B5EF4-FFF2-40B4-BE49-F238E27FC236}">
-                <a16:creationId xmlns:a16="http://schemas.microsoft.com/office/drawing/2014/main" id="{19C27EDE-57DE-0D4C-B5FA-976E05E0174F}"/>
-              </a:ext>
-            </a:extLst>
-          </p:cNvPr>
-          <p:cNvPicPr>
-            <a:picLocks noChangeAspect="1"/>
-          </p:cNvPicPr>
-          <p:nvPr/>
-        </p:nvPicPr>
-        <p:blipFill>
-          <a:blip r:embed="rId5">
-            <a:extLst>
-              <a:ext uri="{28A0092B-C50C-407E-A947-70E740481C1C}">
-                <a14:useLocalDpi xmlns:a14="http://schemas.microsoft.com/office/drawing/2010/main" val="0"/>
-              </a:ext>
-            </a:extLst>
-          </a:blip>
-          <a:stretch>
-            <a:fillRect/>
-          </a:stretch>
-        </p:blipFill>
-        <p:spPr>
-          <a:xfrm>
-            <a:off x="6449637" y="3221649"/>
-            <a:ext cx="1404711" cy="2201151"/>
-          </a:xfrm>
-          <a:prstGeom prst="rect">
-            <a:avLst/>
-          </a:prstGeom>
-        </p:spPr>
-      </p:pic>
+              <a:t>の</a:t>
+            </a:r>
+            <a:endParaRPr lang="en-US" altLang="ja-JP" sz="4800" b="1" dirty="0">
+              <a:solidFill>
+                <a:srgbClr val="010101"/>
+              </a:solidFill>
+            </a:endParaRPr>
+          </a:p>
+          <a:p>
+            <a:pPr algn="ctr"/>
+            <a:r>
+              <a:rPr lang="ja-JP" altLang="en-US" sz="4800" b="1" dirty="0">
+                <a:solidFill>
+                  <a:srgbClr val="010101"/>
+                </a:solidFill>
+              </a:rPr>
+              <a:t>文字列処理</a:t>
+            </a:r>
+            <a:endParaRPr kumimoji="1" lang="ja-JP" altLang="en-US" sz="4800" b="1" dirty="0">
+              <a:solidFill>
+                <a:srgbClr val="010101"/>
+              </a:solidFill>
+            </a:endParaRPr>
+          </a:p>
+        </p:txBody>
+      </p:sp>
     </p:spTree>
     <p:extLst>
       <p:ext uri="{BB962C8B-B14F-4D97-AF65-F5344CB8AC3E}">
